--- a/lectures/Lecture_4_DD.pptx
+++ b/lectures/Lecture_4_DD.pptx
@@ -7225,16 +7225,12 @@
               <a:t>Jogklekar</a:t>
             </a:r>
             <a:r>
-              <a:rPr lang="en-US" sz="2000" i="1" smtClean="0"/>
+              <a:rPr lang="en-US" sz="2000" i="1" dirty="0" smtClean="0"/>
               <a:t> et al.</a:t>
             </a:r>
             <a:r>
-              <a:rPr lang="en-US" sz="2000" i="1" smtClean="0"/>
-              <a:t> </a:t>
-            </a:r>
-            <a:r>
               <a:rPr lang="en-US" sz="2000" i="1" dirty="0" smtClean="0"/>
-              <a:t>and </a:t>
+              <a:t> and </a:t>
             </a:r>
             <a:r>
               <a:rPr lang="en-US" sz="2000" i="1" dirty="0" err="1" smtClean="0"/>
@@ -45007,7 +45003,7 @@
           <a:graphicData uri="http://schemas.openxmlformats.org/presentationml/2006/ole">
             <mc:AlternateContent xmlns:mc="http://schemas.openxmlformats.org/markup-compatibility/2006">
               <mc:Choice xmlns:v="urn:schemas-microsoft-com:vml" Requires="v">
-                <p:oleObj spid="_x0000_s1054" name="Document" r:id="rId4" imgW="11172825" imgH="6858000" progId="Word.Document.8">
+                <p:oleObj spid="_x0000_s1055" name="Document" r:id="rId4" imgW="11172825" imgH="6858000" progId="Word.Document.8">
                   <p:embed/>
                 </p:oleObj>
               </mc:Choice>
